--- a/lecture/lec1_intro.pptx
+++ b/lecture/lec1_intro.pptx
@@ -242,7 +242,7 @@
             <a:fld id="{3B85FA19-4AE7-394C-8E06-B4A0FB3E5AA8}" type="datetimeFigureOut">
               <a:rPr lang="en-US" smtClean="0"/>
               <a:pPr/>
-              <a:t>1/10/23</a:t>
+              <a:t>1/11/23</a:t>
             </a:fld>
             <a:endParaRPr lang="en-US"/>
           </a:p>
@@ -410,7 +410,7 @@
             <a:fld id="{FD6991A4-6061-8E40-B3BF-9224535D7C20}" type="datetimeFigureOut">
               <a:rPr lang="en-US" smtClean="0"/>
               <a:pPr/>
-              <a:t>1/10/23</a:t>
+              <a:t>1/11/23</a:t>
             </a:fld>
             <a:endParaRPr lang="en-US"/>
           </a:p>
@@ -1827,7 +1827,7 @@
           <a:p>
             <a:fld id="{4FDB5DBE-2C46-5B43-96E8-F023B73F1AB8}" type="datetime1">
               <a:rPr lang="en-HK" smtClean="0"/>
-              <a:t>10/1/2023</a:t>
+              <a:t>11/1/2023</a:t>
             </a:fld>
             <a:endParaRPr lang="en-US"/>
           </a:p>
@@ -2348,7 +2348,7 @@
           <a:p>
             <a:fld id="{B90D1BF7-8C30-5248-8AEA-E8F64CB27397}" type="datetime1">
               <a:rPr lang="en-HK" smtClean="0"/>
-              <a:t>10/1/2023</a:t>
+              <a:t>11/1/2023</a:t>
             </a:fld>
             <a:endParaRPr lang="en-US"/>
           </a:p>
@@ -3000,7 +3000,7 @@
           <a:p>
             <a:fld id="{508ADE70-97B1-8A4D-929E-D513707FC07E}" type="datetime1">
               <a:rPr lang="en-HK" smtClean="0"/>
-              <a:t>10/1/2023</a:t>
+              <a:t>11/1/2023</a:t>
             </a:fld>
             <a:endParaRPr lang="en-US"/>
           </a:p>
@@ -3450,7 +3450,7 @@
           <a:p>
             <a:fld id="{E3BF9330-72EC-2949-8E37-7A13B27A95E0}" type="datetime1">
               <a:rPr lang="en-HK" smtClean="0"/>
-              <a:t>10/1/2023</a:t>
+              <a:t>11/1/2023</a:t>
             </a:fld>
             <a:endParaRPr lang="en-US"/>
           </a:p>
@@ -3932,7 +3932,7 @@
           <a:p>
             <a:fld id="{8DFD2001-E04C-B843-BD8E-01C0363C2C53}" type="datetime1">
               <a:rPr lang="en-HK" smtClean="0"/>
-              <a:t>10/1/2023</a:t>
+              <a:t>11/1/2023</a:t>
             </a:fld>
             <a:endParaRPr lang="en-US"/>
           </a:p>
@@ -4276,7 +4276,7 @@
           <a:p>
             <a:fld id="{EFA60BC2-EF03-5249-9404-4AE7907D9421}" type="datetime1">
               <a:rPr lang="en-HK" smtClean="0"/>
-              <a:t>10/1/2023</a:t>
+              <a:t>11/1/2023</a:t>
             </a:fld>
             <a:endParaRPr lang="en-US"/>
           </a:p>
@@ -4757,7 +4757,7 @@
           <a:p>
             <a:fld id="{4ED283CE-9E76-2248-ABE4-4F36227AF38C}" type="datetime1">
               <a:rPr lang="en-HK" smtClean="0"/>
-              <a:t>10/1/2023</a:t>
+              <a:t>11/1/2023</a:t>
             </a:fld>
             <a:endParaRPr lang="en-US"/>
           </a:p>
@@ -5056,7 +5056,7 @@
           <a:p>
             <a:fld id="{6A691D59-E1E0-034A-A88F-D1E905EEE709}" type="datetime1">
               <a:rPr lang="en-HK" smtClean="0"/>
-              <a:t>10/1/2023</a:t>
+              <a:t>11/1/2023</a:t>
             </a:fld>
             <a:endParaRPr lang="en-US"/>
           </a:p>
@@ -5628,7 +5628,7 @@
           <a:p>
             <a:fld id="{71DBF70E-E743-B24A-A251-19752C1229AF}" type="datetime1">
               <a:rPr lang="en-HK" smtClean="0"/>
-              <a:t>10/1/2023</a:t>
+              <a:t>11/1/2023</a:t>
             </a:fld>
             <a:endParaRPr lang="en-US"/>
           </a:p>
@@ -6130,7 +6130,7 @@
           <a:p>
             <a:fld id="{51E454BA-DD6D-1442-8431-242D3DDE7A44}" type="datetime1">
               <a:rPr lang="en-HK" smtClean="0"/>
-              <a:t>10/1/2023</a:t>
+              <a:t>11/1/2023</a:t>
             </a:fld>
             <a:endParaRPr lang="en-US"/>
           </a:p>
@@ -6776,7 +6776,7 @@
           <a:p>
             <a:fld id="{EBEC2DF7-FF82-E042-880A-BCD5A441A0FA}" type="datetime1">
               <a:rPr lang="en-HK" smtClean="0"/>
-              <a:t>10/1/2023</a:t>
+              <a:t>11/1/2023</a:t>
             </a:fld>
             <a:endParaRPr lang="en-US"/>
           </a:p>
@@ -7184,7 +7184,7 @@
           <a:p>
             <a:fld id="{31F74D1B-A7F1-DE4E-A9A5-A91192D2E2BD}" type="datetime1">
               <a:rPr lang="en-HK" smtClean="0"/>
-              <a:t>10/1/2023</a:t>
+              <a:t>11/1/2023</a:t>
             </a:fld>
             <a:endParaRPr lang="en-US"/>
           </a:p>
@@ -7438,7 +7438,7 @@
           <a:p>
             <a:fld id="{13866367-4CD3-1B40-84B9-2FF35681DA83}" type="datetime1">
               <a:rPr lang="en-HK" smtClean="0"/>
-              <a:t>10/1/2023</a:t>
+              <a:t>11/1/2023</a:t>
             </a:fld>
             <a:endParaRPr lang="en-US"/>
           </a:p>
@@ -7974,7 +7974,7 @@
           <a:p>
             <a:fld id="{85CF5C4B-E46D-5744-987B-9B0111AC2A0D}" type="datetime1">
               <a:rPr lang="en-HK" smtClean="0"/>
-              <a:t>10/1/2023</a:t>
+              <a:t>11/1/2023</a:t>
             </a:fld>
             <a:endParaRPr lang="en-US"/>
           </a:p>
@@ -8189,7 +8189,7 @@
           <a:p>
             <a:fld id="{2B5D5C8B-80FE-B04F-8138-A1C8F928CEB8}" type="datetime1">
               <a:rPr lang="en-HK" smtClean="0"/>
-              <a:t>10/1/2023</a:t>
+              <a:t>11/1/2023</a:t>
             </a:fld>
             <a:endParaRPr lang="en-US"/>
           </a:p>
@@ -9467,13 +9467,6 @@
               <a:t>questions</a:t>
             </a:r>
             <a:endParaRPr lang="en-US" dirty="0"/>
-          </a:p>
-          <a:p>
-            <a:pPr lvl="2"/>
-            <a:r>
-              <a:rPr lang="en-US" dirty="0"/>
-              <a:t>Can also download and install on any Linux machine</a:t>
-            </a:r>
           </a:p>
           <a:p>
             <a:r>
@@ -17027,6 +17020,25 @@
               <a:rPr lang="en-US" altLang="zh-CN" dirty="0"/>
               <a:t>Xin</a:t>
             </a:r>
+          </a:p>
+          <a:p>
+            <a:pPr lvl="1"/>
+            <a:r>
+              <a:rPr lang="en-US" altLang="zh-CN" dirty="0"/>
+              <a:t>Luo,</a:t>
+            </a:r>
+            <a:r>
+              <a:rPr lang="zh-CN" altLang="en-US" dirty="0"/>
+              <a:t> </a:t>
+            </a:r>
+            <a:r>
+              <a:rPr lang="en-US" altLang="zh-CN"/>
+              <a:t>Qin</a:t>
+            </a:r>
+            <a:r>
+              <a:rPr lang="zh-CN" altLang="en-US"/>
+              <a:t> </a:t>
+            </a:r>
             <a:endParaRPr lang="en-US" dirty="0"/>
           </a:p>
         </p:txBody>
@@ -17749,19 +17761,7 @@
             <a:pPr marL="457200" indent="-457200"/>
             <a:r>
               <a:rPr lang="en-GB" dirty="0"/>
-              <a:t>Piazza (</a:t>
-            </a:r>
-            <a:r>
-              <a:rPr lang="en-US" altLang="zh-CN" dirty="0"/>
-              <a:t>s</a:t>
-            </a:r>
-            <a:r>
-              <a:rPr lang="en-GB" dirty="0" err="1"/>
-              <a:t>ee</a:t>
-            </a:r>
-            <a:r>
-              <a:rPr lang="en-GB" dirty="0"/>
-              <a:t> course homepage) used for discussion</a:t>
+              <a:t>Piazza used for discussion</a:t>
             </a:r>
           </a:p>
           <a:p>
